--- a/Presentation/Presentation Two/PresentationRevised.pptx
+++ b/Presentation/Presentation Two/PresentationRevised.pptx
@@ -9604,6 +9604,30 @@
           </a:bodyPr>
           <a:lstStyle/>
           <a:p>
+            <a:r>
+              <a:rPr lang="en-US" sz="2200" dirty="0"/>
+              <a:t>Kanban Method</a:t>
+            </a:r>
+          </a:p>
+          <a:p>
+            <a:r>
+              <a:rPr lang="en-US" sz="2200" dirty="0"/>
+              <a:t>Agile Process</a:t>
+            </a:r>
+          </a:p>
+          <a:p>
+            <a:r>
+              <a:rPr lang="en-US" sz="2200" dirty="0"/>
+              <a:t>Flexibility with client and requirements</a:t>
+            </a:r>
+          </a:p>
+          <a:p>
+            <a:endParaRPr lang="en-US" sz="2200" dirty="0"/>
+          </a:p>
+          <a:p>
+            <a:pPr marL="0" indent="0">
+              <a:buNone/>
+            </a:pPr>
             <a:endParaRPr lang="en-US" sz="2200" dirty="0"/>
           </a:p>
         </p:txBody>
@@ -9688,9 +9712,38 @@
           <a:lstStyle/>
           <a:p>
             <a:r>
-              <a:rPr lang="en-US" sz="2200" dirty="0" smtClean="0"/>
+              <a:rPr lang="en-US" sz="2200" dirty="0"/>
               <a:t>Demonstration</a:t>
             </a:r>
+          </a:p>
+          <a:p>
+            <a:r>
+              <a:rPr lang="en-US" sz="2200" dirty="0"/>
+              <a:t>Consistent templates</a:t>
+            </a:r>
+          </a:p>
+          <a:p>
+            <a:r>
+              <a:rPr lang="en-US" sz="2200" dirty="0"/>
+              <a:t>Demographic in mind for easy usability</a:t>
+            </a:r>
+          </a:p>
+          <a:p>
+            <a:r>
+              <a:rPr lang="en-US" sz="2200" dirty="0"/>
+              <a:t>Large buttons and text</a:t>
+            </a:r>
+          </a:p>
+          <a:p>
+            <a:r>
+              <a:rPr lang="en-US" sz="2200" dirty="0"/>
+              <a:t>Buttons and links in consistent areas</a:t>
+            </a:r>
+          </a:p>
+          <a:p>
+            <a:pPr marL="0" indent="0">
+              <a:buNone/>
+            </a:pPr>
             <a:endParaRPr lang="en-US" sz="2200" dirty="0"/>
           </a:p>
         </p:txBody>
@@ -10339,12 +10392,6 @@
 </file>
 
 <file path=customXml/item1.xml><?xml version="1.0" encoding="utf-8"?>
-<p:properties xmlns:p="http://schemas.microsoft.com/office/2006/metadata/properties" xmlns:xsi="http://www.w3.org/2001/XMLSchema-instance" xmlns:pc="http://schemas.microsoft.com/office/infopath/2007/PartnerControls">
-  <documentManagement/>
-</p:properties>
-</file>
-
-<file path=customXml/item2.xml><?xml version="1.0" encoding="utf-8"?>
 <ct:contentTypeSchema xmlns:ct="http://schemas.microsoft.com/office/2006/metadata/contentType" xmlns:ma="http://schemas.microsoft.com/office/2006/metadata/properties/metaAttributes" ct:_="" ma:_="" ma:contentTypeName="Document" ma:contentTypeID="0x0101004ED25B20BF7EED4EBDC04666034D76BA" ma:contentTypeVersion="0" ma:contentTypeDescription="Create a new document." ma:contentTypeScope="" ma:versionID="dad62bfcb13c80e5b08cd05c7aa1420f">
   <xsd:schema xmlns:xsd="http://www.w3.org/2001/XMLSchema" xmlns:xs="http://www.w3.org/2001/XMLSchema" xmlns:p="http://schemas.microsoft.com/office/2006/metadata/properties" targetNamespace="http://schemas.microsoft.com/office/2006/metadata/properties" ma:root="true" ma:fieldsID="8c180a8389243951cd65b31068827aa8">
     <xsd:element name="properties">
@@ -10458,6 +10505,12 @@
 </ct:contentTypeSchema>
 </file>
 
+<file path=customXml/item2.xml><?xml version="1.0" encoding="utf-8"?>
+<p:properties xmlns:p="http://schemas.microsoft.com/office/2006/metadata/properties" xmlns:xsi="http://www.w3.org/2001/XMLSchema-instance" xmlns:pc="http://schemas.microsoft.com/office/infopath/2007/PartnerControls">
+  <documentManagement/>
+</p:properties>
+</file>
+
 <file path=customXml/item3.xml><?xml version="1.0" encoding="utf-8"?>
 <?mso-contentType ?>
 <FormTemplates xmlns="http://schemas.microsoft.com/sharepoint/v3/contenttype/forms">
@@ -10468,21 +10521,6 @@
 </file>
 
 <file path=customXml/itemProps1.xml><?xml version="1.0" encoding="utf-8"?>
-<ds:datastoreItem xmlns:ds="http://schemas.openxmlformats.org/officeDocument/2006/customXml" ds:itemID="{120AB2EF-83B6-48FA-912A-3F47801185B6}">
-  <ds:schemaRefs>
-    <ds:schemaRef ds:uri="http://purl.org/dc/terms/"/>
-    <ds:schemaRef ds:uri="http://schemas.microsoft.com/office/2006/metadata/properties"/>
-    <ds:schemaRef ds:uri="http://purl.org/dc/elements/1.1/"/>
-    <ds:schemaRef ds:uri="http://schemas.microsoft.com/office/2006/documentManagement/types"/>
-    <ds:schemaRef ds:uri="http://schemas.openxmlformats.org/package/2006/metadata/core-properties"/>
-    <ds:schemaRef ds:uri="http://purl.org/dc/dcmitype/"/>
-    <ds:schemaRef ds:uri="http://schemas.microsoft.com/office/infopath/2007/PartnerControls"/>
-    <ds:schemaRef ds:uri="http://www.w3.org/XML/1998/namespace"/>
-  </ds:schemaRefs>
-</ds:datastoreItem>
-</file>
-
-<file path=customXml/itemProps2.xml><?xml version="1.0" encoding="utf-8"?>
 <ds:datastoreItem xmlns:ds="http://schemas.openxmlformats.org/officeDocument/2006/customXml" ds:itemID="{86D6B8AF-DEC8-4C7B-A23B-D79B3CD44F3D}">
   <ds:schemaRefs>
     <ds:schemaRef ds:uri="http://schemas.microsoft.com/office/2006/metadata/contentType"/>
@@ -10498,6 +10536,21 @@
 </ds:datastoreItem>
 </file>
 
+<file path=customXml/itemProps2.xml><?xml version="1.0" encoding="utf-8"?>
+<ds:datastoreItem xmlns:ds="http://schemas.openxmlformats.org/officeDocument/2006/customXml" ds:itemID="{120AB2EF-83B6-48FA-912A-3F47801185B6}">
+  <ds:schemaRefs>
+    <ds:schemaRef ds:uri="http://purl.org/dc/terms/"/>
+    <ds:schemaRef ds:uri="http://schemas.microsoft.com/office/2006/metadata/properties"/>
+    <ds:schemaRef ds:uri="http://purl.org/dc/elements/1.1/"/>
+    <ds:schemaRef ds:uri="http://schemas.microsoft.com/office/2006/documentManagement/types"/>
+    <ds:schemaRef ds:uri="http://schemas.openxmlformats.org/package/2006/metadata/core-properties"/>
+    <ds:schemaRef ds:uri="http://purl.org/dc/dcmitype/"/>
+    <ds:schemaRef ds:uri="http://schemas.microsoft.com/office/infopath/2007/PartnerControls"/>
+    <ds:schemaRef ds:uri="http://www.w3.org/XML/1998/namespace"/>
+  </ds:schemaRefs>
+</ds:datastoreItem>
+</file>
+
 <file path=customXml/itemProps3.xml><?xml version="1.0" encoding="utf-8"?>
 <ds:datastoreItem xmlns:ds="http://schemas.openxmlformats.org/officeDocument/2006/customXml" ds:itemID="{3B9A03BE-BDD2-4450-8C63-538E1F1E17CE}">
   <ds:schemaRefs>

--- a/Presentation/Presentation Two/PresentationRevised.pptx
+++ b/Presentation/Presentation Two/PresentationRevised.pptx
@@ -8825,7 +8825,12 @@
             <p:ph idx="1"/>
           </p:nvPr>
         </p:nvSpPr>
-        <p:spPr/>
+        <p:spPr>
+          <a:xfrm>
+            <a:off x="2589212" y="2133600"/>
+            <a:ext cx="8915400" cy="4267200"/>
+          </a:xfrm>
+        </p:spPr>
         <p:txBody>
           <a:bodyPr>
             <a:normAutofit/>
@@ -8834,28 +8839,58 @@
           <a:p>
             <a:r>
               <a:rPr lang="en-US" sz="2200" dirty="0" smtClean="0"/>
-              <a:t>PIE is a site to promote healthy social activities for the elderly</a:t>
-            </a:r>
-          </a:p>
-          <a:p>
+              <a:t>PIE’s goal is to </a:t>
+            </a:r>
             <a:r>
               <a:rPr lang="en-US" sz="2200" dirty="0" smtClean="0"/>
-              <a:t>Completed tasks:</a:t>
-            </a:r>
+              <a:t>promote healthy social </a:t>
+            </a:r>
+            <a:r>
+              <a:rPr lang="en-US" sz="2200" dirty="0" smtClean="0"/>
+              <a:t>activities</a:t>
+            </a:r>
+          </a:p>
+          <a:p>
+            <a:r>
+              <a:rPr lang="en-US" sz="2200" dirty="0" smtClean="0"/>
+              <a:t>Completed </a:t>
+            </a:r>
+            <a:r>
+              <a:rPr lang="en-US" sz="2200" dirty="0" smtClean="0"/>
+              <a:t>tasks</a:t>
+            </a:r>
+            <a:r>
+              <a:rPr lang="en-US" sz="2200" dirty="0" smtClean="0"/>
+              <a:t>:</a:t>
+            </a:r>
+          </a:p>
+          <a:p>
+            <a:pPr lvl="1"/>
+            <a:r>
+              <a:rPr lang="en-US" sz="2000" dirty="0" smtClean="0"/>
+              <a:t>Hosting the site on a testing server</a:t>
+            </a:r>
+            <a:endParaRPr lang="en-US" sz="2000" dirty="0" smtClean="0"/>
           </a:p>
           <a:p>
             <a:pPr lvl="1" fontAlgn="base"/>
             <a:r>
-              <a:rPr lang="en-US" sz="2200" dirty="0"/>
-              <a:t>Storing user information in a database​</a:t>
-            </a:r>
+              <a:rPr lang="en-US" sz="2000" dirty="0" smtClean="0"/>
+              <a:t>Storing and retrieving user and event information</a:t>
+            </a:r>
+            <a:endParaRPr lang="en-US" sz="2000" dirty="0"/>
           </a:p>
           <a:p>
             <a:pPr lvl="1" fontAlgn="base"/>
             <a:r>
-              <a:rPr lang="en-US" sz="2200" dirty="0"/>
-              <a:t>Creating an easy-to-navigate interface​</a:t>
-            </a:r>
+              <a:rPr lang="en-US" sz="2000" dirty="0"/>
+              <a:t>Creating </a:t>
+            </a:r>
+            <a:r>
+              <a:rPr lang="en-US" sz="2000" dirty="0" smtClean="0"/>
+              <a:t>easy-to-navigate pages</a:t>
+            </a:r>
+            <a:endParaRPr lang="en-US" sz="2000" dirty="0"/>
           </a:p>
           <a:p>
             <a:r>
@@ -8866,17 +8901,32 @@
           <a:p>
             <a:pPr lvl="1"/>
             <a:r>
-              <a:rPr lang="en-US" sz="2200" dirty="0" smtClean="0"/>
-              <a:t>Creating a calendar to organize activities</a:t>
+              <a:rPr lang="en-US" sz="2000" dirty="0" smtClean="0"/>
+              <a:t>Creating a calendar </a:t>
+            </a:r>
+            <a:r>
+              <a:rPr lang="en-US" sz="2000" dirty="0" smtClean="0"/>
+              <a:t>for organizing </a:t>
+            </a:r>
+            <a:r>
+              <a:rPr lang="en-US" sz="2000" dirty="0" smtClean="0"/>
+              <a:t>activities</a:t>
             </a:r>
           </a:p>
           <a:p>
             <a:pPr lvl="1"/>
             <a:r>
-              <a:rPr lang="en-US" sz="2200" dirty="0" smtClean="0"/>
-              <a:t>Hosting the website</a:t>
-            </a:r>
-            <a:endParaRPr lang="en-US" sz="2200" dirty="0"/>
+              <a:rPr lang="en-US" sz="2000" dirty="0" smtClean="0"/>
+              <a:t>Online hosting</a:t>
+            </a:r>
+          </a:p>
+          <a:p>
+            <a:pPr lvl="1"/>
+            <a:r>
+              <a:rPr lang="en-US" sz="2000" dirty="0" smtClean="0"/>
+              <a:t>User testing and updating</a:t>
+            </a:r>
+            <a:endParaRPr lang="en-US" sz="2000" dirty="0"/>
           </a:p>
           <a:p>
             <a:pPr lvl="1"/>
@@ -10506,18 +10556,18 @@
 </file>
 
 <file path=customXml/item2.xml><?xml version="1.0" encoding="utf-8"?>
-<p:properties xmlns:p="http://schemas.microsoft.com/office/2006/metadata/properties" xmlns:xsi="http://www.w3.org/2001/XMLSchema-instance" xmlns:pc="http://schemas.microsoft.com/office/infopath/2007/PartnerControls">
-  <documentManagement/>
-</p:properties>
-</file>
-
-<file path=customXml/item3.xml><?xml version="1.0" encoding="utf-8"?>
 <?mso-contentType ?>
 <FormTemplates xmlns="http://schemas.microsoft.com/sharepoint/v3/contenttype/forms">
   <Display>DocumentLibraryForm</Display>
   <Edit>DocumentLibraryForm</Edit>
   <New>DocumentLibraryForm</New>
 </FormTemplates>
+</file>
+
+<file path=customXml/item3.xml><?xml version="1.0" encoding="utf-8"?>
+<p:properties xmlns:p="http://schemas.microsoft.com/office/2006/metadata/properties" xmlns:xsi="http://www.w3.org/2001/XMLSchema-instance" xmlns:pc="http://schemas.microsoft.com/office/infopath/2007/PartnerControls">
+  <documentManagement/>
+</p:properties>
 </file>
 
 <file path=customXml/itemProps1.xml><?xml version="1.0" encoding="utf-8"?>
@@ -10537,6 +10587,14 @@
 </file>
 
 <file path=customXml/itemProps2.xml><?xml version="1.0" encoding="utf-8"?>
+<ds:datastoreItem xmlns:ds="http://schemas.openxmlformats.org/officeDocument/2006/customXml" ds:itemID="{3B9A03BE-BDD2-4450-8C63-538E1F1E17CE}">
+  <ds:schemaRefs>
+    <ds:schemaRef ds:uri="http://schemas.microsoft.com/sharepoint/v3/contenttype/forms"/>
+  </ds:schemaRefs>
+</ds:datastoreItem>
+</file>
+
+<file path=customXml/itemProps3.xml><?xml version="1.0" encoding="utf-8"?>
 <ds:datastoreItem xmlns:ds="http://schemas.openxmlformats.org/officeDocument/2006/customXml" ds:itemID="{120AB2EF-83B6-48FA-912A-3F47801185B6}">
   <ds:schemaRefs>
     <ds:schemaRef ds:uri="http://purl.org/dc/terms/"/>
@@ -10549,12 +10607,4 @@
     <ds:schemaRef ds:uri="http://www.w3.org/XML/1998/namespace"/>
   </ds:schemaRefs>
 </ds:datastoreItem>
-</file>
-
-<file path=customXml/itemProps3.xml><?xml version="1.0" encoding="utf-8"?>
-<ds:datastoreItem xmlns:ds="http://schemas.openxmlformats.org/officeDocument/2006/customXml" ds:itemID="{3B9A03BE-BDD2-4450-8C63-538E1F1E17CE}">
-  <ds:schemaRefs>
-    <ds:schemaRef ds:uri="http://schemas.microsoft.com/sharepoint/v3/contenttype/forms"/>
-  </ds:schemaRefs>
-</ds:datastoreItem>
 </file>
--- a/Presentation/Presentation Two/PresentationRevised.pptx
+++ b/Presentation/Presentation Two/PresentationRevised.pptx
@@ -12,8 +12,8 @@
     <p:sldId id="257" r:id="rId6"/>
     <p:sldId id="279" r:id="rId7"/>
     <p:sldId id="261" r:id="rId8"/>
-    <p:sldId id="268" r:id="rId9"/>
-    <p:sldId id="263" r:id="rId10"/>
+    <p:sldId id="263" r:id="rId9"/>
+    <p:sldId id="268" r:id="rId10"/>
     <p:sldId id="264" r:id="rId11"/>
     <p:sldId id="265" r:id="rId12"/>
     <p:sldId id="276" r:id="rId13"/>
@@ -209,7 +209,7 @@
           <a:p>
             <a:fld id="{5B6AB509-4183-4579-9787-242A2BB957B8}" type="datetimeFigureOut">
               <a:rPr lang="en-US"/>
-              <a:t>2/3/2016</a:t>
+              <a:t>2/4/2016</a:t>
             </a:fld>
             <a:endParaRPr lang="en-US"/>
           </a:p>
@@ -1144,7 +1144,7 @@
             <a:fld id="{B61BEF0D-F0BB-DE4B-95CE-6DB70DBA9567}" type="datetimeFigureOut">
               <a:rPr lang="en-US" dirty="0"/>
               <a:pPr/>
-              <a:t>2/3/2016</a:t>
+              <a:t>2/4/2016</a:t>
             </a:fld>
             <a:endParaRPr lang="en-US" dirty="0"/>
           </a:p>
@@ -1479,7 +1479,7 @@
             <a:fld id="{B61BEF0D-F0BB-DE4B-95CE-6DB70DBA9567}" type="datetimeFigureOut">
               <a:rPr lang="en-US" dirty="0"/>
               <a:pPr/>
-              <a:t>2/3/2016</a:t>
+              <a:t>2/4/2016</a:t>
             </a:fld>
             <a:endParaRPr lang="en-US" dirty="0"/>
           </a:p>
@@ -1877,7 +1877,7 @@
             <a:fld id="{B61BEF0D-F0BB-DE4B-95CE-6DB70DBA9567}" type="datetimeFigureOut">
               <a:rPr lang="en-US" dirty="0"/>
               <a:pPr/>
-              <a:t>2/3/2016</a:t>
+              <a:t>2/4/2016</a:t>
             </a:fld>
             <a:endParaRPr lang="en-US" dirty="0"/>
           </a:p>
@@ -2210,7 +2210,7 @@
             <a:fld id="{B61BEF0D-F0BB-DE4B-95CE-6DB70DBA9567}" type="datetimeFigureOut">
               <a:rPr lang="en-US" dirty="0"/>
               <a:pPr/>
-              <a:t>2/3/2016</a:t>
+              <a:t>2/4/2016</a:t>
             </a:fld>
             <a:endParaRPr lang="en-US" dirty="0"/>
           </a:p>
@@ -2527,7 +2527,7 @@
             <a:fld id="{B61BEF0D-F0BB-DE4B-95CE-6DB70DBA9567}" type="datetimeFigureOut">
               <a:rPr lang="en-US" dirty="0"/>
               <a:pPr/>
-              <a:t>2/3/2016</a:t>
+              <a:t>2/4/2016</a:t>
             </a:fld>
             <a:endParaRPr lang="en-US" dirty="0"/>
           </a:p>
@@ -2920,7 +2920,7 @@
             <a:fld id="{B61BEF0D-F0BB-DE4B-95CE-6DB70DBA9567}" type="datetimeFigureOut">
               <a:rPr lang="en-US" dirty="0"/>
               <a:pPr/>
-              <a:t>2/3/2016</a:t>
+              <a:t>2/4/2016</a:t>
             </a:fld>
             <a:endParaRPr lang="en-US" dirty="0"/>
           </a:p>
@@ -3174,7 +3174,7 @@
             <a:fld id="{B61BEF0D-F0BB-DE4B-95CE-6DB70DBA9567}" type="datetimeFigureOut">
               <a:rPr lang="en-US" dirty="0"/>
               <a:pPr/>
-              <a:t>2/3/2016</a:t>
+              <a:t>2/4/2016</a:t>
             </a:fld>
             <a:endParaRPr lang="en-US" dirty="0"/>
           </a:p>
@@ -3433,7 +3433,7 @@
             <a:fld id="{B61BEF0D-F0BB-DE4B-95CE-6DB70DBA9567}" type="datetimeFigureOut">
               <a:rPr lang="en-US" dirty="0"/>
               <a:pPr/>
-              <a:t>2/3/2016</a:t>
+              <a:t>2/4/2016</a:t>
             </a:fld>
             <a:endParaRPr lang="en-US" dirty="0"/>
           </a:p>
@@ -3692,7 +3692,7 @@
             <a:fld id="{B61BEF0D-F0BB-DE4B-95CE-6DB70DBA9567}" type="datetimeFigureOut">
               <a:rPr lang="en-US" dirty="0"/>
               <a:pPr/>
-              <a:t>2/3/2016</a:t>
+              <a:t>2/4/2016</a:t>
             </a:fld>
             <a:endParaRPr lang="en-US" dirty="0"/>
           </a:p>
@@ -4018,7 +4018,7 @@
             <a:fld id="{B61BEF0D-F0BB-DE4B-95CE-6DB70DBA9567}" type="datetimeFigureOut">
               <a:rPr lang="en-US" dirty="0"/>
               <a:pPr/>
-              <a:t>2/3/2016</a:t>
+              <a:t>2/4/2016</a:t>
             </a:fld>
             <a:endParaRPr lang="en-US" dirty="0"/>
           </a:p>
@@ -4338,7 +4338,7 @@
             <a:fld id="{B61BEF0D-F0BB-DE4B-95CE-6DB70DBA9567}" type="datetimeFigureOut">
               <a:rPr lang="en-US" dirty="0"/>
               <a:pPr/>
-              <a:t>2/3/2016</a:t>
+              <a:t>2/4/2016</a:t>
             </a:fld>
             <a:endParaRPr lang="en-US" dirty="0"/>
           </a:p>
@@ -4792,7 +4792,7 @@
             <a:fld id="{B61BEF0D-F0BB-DE4B-95CE-6DB70DBA9567}" type="datetimeFigureOut">
               <a:rPr lang="en-US" dirty="0"/>
               <a:pPr/>
-              <a:t>2/3/2016</a:t>
+              <a:t>2/4/2016</a:t>
             </a:fld>
             <a:endParaRPr lang="en-US" dirty="0"/>
           </a:p>
@@ -4994,7 +4994,7 @@
             <a:fld id="{B61BEF0D-F0BB-DE4B-95CE-6DB70DBA9567}" type="datetimeFigureOut">
               <a:rPr lang="en-US" dirty="0"/>
               <a:pPr/>
-              <a:t>2/3/2016</a:t>
+              <a:t>2/4/2016</a:t>
             </a:fld>
             <a:endParaRPr lang="en-US" dirty="0"/>
           </a:p>
@@ -5168,7 +5168,7 @@
             <a:fld id="{B61BEF0D-F0BB-DE4B-95CE-6DB70DBA9567}" type="datetimeFigureOut">
               <a:rPr lang="en-US" dirty="0"/>
               <a:pPr/>
-              <a:t>2/3/2016</a:t>
+              <a:t>2/4/2016</a:t>
             </a:fld>
             <a:endParaRPr lang="en-US" dirty="0"/>
           </a:p>
@@ -5498,7 +5498,7 @@
             <a:fld id="{B61BEF0D-F0BB-DE4B-95CE-6DB70DBA9567}" type="datetimeFigureOut">
               <a:rPr lang="en-US" dirty="0"/>
               <a:pPr/>
-              <a:t>2/3/2016</a:t>
+              <a:t>2/4/2016</a:t>
             </a:fld>
             <a:endParaRPr lang="en-US" dirty="0"/>
           </a:p>
@@ -5840,7 +5840,7 @@
             <a:fld id="{B61BEF0D-F0BB-DE4B-95CE-6DB70DBA9567}" type="datetimeFigureOut">
               <a:rPr lang="en-US" dirty="0"/>
               <a:pPr/>
-              <a:t>2/3/2016</a:t>
+              <a:t>2/4/2016</a:t>
             </a:fld>
             <a:endParaRPr lang="en-US" dirty="0"/>
           </a:p>
@@ -7954,7 +7954,7 @@
             <a:fld id="{B61BEF0D-F0BB-DE4B-95CE-6DB70DBA9567}" type="datetimeFigureOut">
               <a:rPr lang="en-US" dirty="0"/>
               <a:pPr/>
-              <a:t>2/3/2016</a:t>
+              <a:t>2/4/2016</a:t>
             </a:fld>
             <a:endParaRPr lang="en-US" dirty="0"/>
           </a:p>
@@ -8839,29 +8839,13 @@
           <a:p>
             <a:r>
               <a:rPr lang="en-US" sz="2200" dirty="0" smtClean="0"/>
-              <a:t>PIE’s goal is to </a:t>
-            </a:r>
+              <a:t>PIE’s goal is to promote healthy social activities</a:t>
+            </a:r>
+          </a:p>
+          <a:p>
             <a:r>
               <a:rPr lang="en-US" sz="2200" dirty="0" smtClean="0"/>
-              <a:t>promote healthy social </a:t>
-            </a:r>
-            <a:r>
-              <a:rPr lang="en-US" sz="2200" dirty="0" smtClean="0"/>
-              <a:t>activities</a:t>
-            </a:r>
-          </a:p>
-          <a:p>
-            <a:r>
-              <a:rPr lang="en-US" sz="2200" dirty="0" smtClean="0"/>
-              <a:t>Completed </a:t>
-            </a:r>
-            <a:r>
-              <a:rPr lang="en-US" sz="2200" dirty="0" smtClean="0"/>
-              <a:t>tasks</a:t>
-            </a:r>
-            <a:r>
-              <a:rPr lang="en-US" sz="2200" dirty="0" smtClean="0"/>
-              <a:t>:</a:t>
+              <a:t>Completed tasks:</a:t>
             </a:r>
           </a:p>
           <a:p>
@@ -8870,7 +8854,6 @@
               <a:rPr lang="en-US" sz="2000" dirty="0" smtClean="0"/>
               <a:t>Hosting the site on a testing server</a:t>
             </a:r>
-            <a:endParaRPr lang="en-US" sz="2000" dirty="0" smtClean="0"/>
           </a:p>
           <a:p>
             <a:pPr lvl="1" fontAlgn="base"/>
@@ -8902,15 +8885,7 @@
             <a:pPr lvl="1"/>
             <a:r>
               <a:rPr lang="en-US" sz="2000" dirty="0" smtClean="0"/>
-              <a:t>Creating a calendar </a:t>
-            </a:r>
-            <a:r>
-              <a:rPr lang="en-US" sz="2000" dirty="0" smtClean="0"/>
-              <a:t>for organizing </a:t>
-            </a:r>
-            <a:r>
-              <a:rPr lang="en-US" sz="2000" dirty="0" smtClean="0"/>
-              <a:t>activities</a:t>
+              <a:t>Creating a calendar for organizing activities</a:t>
             </a:r>
           </a:p>
           <a:p>
@@ -9446,7 +9421,7 @@
           <a:p>
             <a:r>
               <a:rPr lang="en-US" sz="4000" dirty="0" smtClean="0"/>
-              <a:t>Module design</a:t>
+              <a:t>Module Example</a:t>
             </a:r>
             <a:endParaRPr lang="en-US" sz="4000" dirty="0"/>
           </a:p>
@@ -9464,31 +9439,56 @@
         </p:nvSpPr>
         <p:spPr/>
         <p:txBody>
-          <a:bodyPr/>
+          <a:bodyPr>
+            <a:normAutofit/>
+          </a:bodyPr>
           <a:lstStyle/>
           <a:p>
             <a:r>
-              <a:rPr lang="en-US" dirty="0" smtClean="0"/>
-              <a:t>Used HTML, PHP, SQL, CSS, and JavaScript</a:t>
-            </a:r>
-          </a:p>
-          <a:p>
-            <a:r>
-              <a:rPr lang="en-US" dirty="0" smtClean="0"/>
-              <a:t>Developed in SublimeText2 </a:t>
-            </a:r>
-            <a:r>
-              <a:rPr lang="en-US" smtClean="0"/>
-              <a:t>and Notepad++</a:t>
-            </a:r>
-            <a:endParaRPr lang="en-US" dirty="0"/>
-          </a:p>
-        </p:txBody>
-      </p:sp>
+              <a:rPr lang="en-US" sz="2200" dirty="0" smtClean="0"/>
+              <a:t>Insert example</a:t>
+            </a:r>
+            <a:endParaRPr lang="en-US" sz="2200" dirty="0"/>
+          </a:p>
+          <a:p>
+            <a:endParaRPr lang="en-US" sz="2200" dirty="0"/>
+          </a:p>
+        </p:txBody>
+      </p:sp>
+      <p:pic>
+        <p:nvPicPr>
+          <p:cNvPr id="4" name="Picture 3"/>
+          <p:cNvPicPr>
+            <a:picLocks noChangeAspect="1"/>
+          </p:cNvPicPr>
+          <p:nvPr/>
+        </p:nvPicPr>
+        <p:blipFill>
+          <a:blip r:embed="rId2">
+            <a:extLst>
+              <a:ext uri="{28A0092B-C50C-407E-A947-70E740481C1C}">
+                <a14:useLocalDpi xmlns:a14="http://schemas.microsoft.com/office/drawing/2010/main" val="0"/>
+              </a:ext>
+            </a:extLst>
+          </a:blip>
+          <a:stretch>
+            <a:fillRect/>
+          </a:stretch>
+        </p:blipFill>
+        <p:spPr>
+          <a:xfrm>
+            <a:off x="2589212" y="1504628"/>
+            <a:ext cx="8726118" cy="4610743"/>
+          </a:xfrm>
+          <a:prstGeom prst="rect">
+            <a:avLst/>
+          </a:prstGeom>
+        </p:spPr>
+      </p:pic>
     </p:spTree>
     <p:extLst>
       <p:ext uri="{BB962C8B-B14F-4D97-AF65-F5344CB8AC3E}">
-        <p14:creationId xmlns:p14="http://schemas.microsoft.com/office/powerpoint/2010/main" val="520551229"/>
+        <p14:creationId xmlns:p14="http://schemas.microsoft.com/office/powerpoint/2010/main" val="2318258539"/>
       </p:ext>
     </p:extLst>
   </p:cSld>
@@ -9541,7 +9541,7 @@
           <a:p>
             <a:r>
               <a:rPr lang="en-US" sz="4000" dirty="0" smtClean="0"/>
-              <a:t>Module Example</a:t>
+              <a:t>Module design</a:t>
             </a:r>
             <a:endParaRPr lang="en-US" sz="4000" dirty="0"/>
           </a:p>
@@ -9559,26 +9559,51 @@
         </p:nvSpPr>
         <p:spPr/>
         <p:txBody>
-          <a:bodyPr>
-            <a:normAutofit/>
-          </a:bodyPr>
+          <a:bodyPr/>
           <a:lstStyle/>
           <a:p>
             <a:r>
-              <a:rPr lang="en-US" sz="2200" dirty="0" smtClean="0"/>
-              <a:t>Insert example</a:t>
-            </a:r>
-            <a:endParaRPr lang="en-US" sz="2200" dirty="0"/>
-          </a:p>
-          <a:p>
-            <a:endParaRPr lang="en-US" sz="2200" dirty="0"/>
+              <a:rPr lang="en-US" dirty="0" smtClean="0"/>
+              <a:t>Used HTML, PHP, SQL, CSS, and JavaScript</a:t>
+            </a:r>
+          </a:p>
+          <a:p>
+            <a:r>
+              <a:rPr lang="en-US" dirty="0" smtClean="0"/>
+              <a:t>Developed in SublimeText2 and Notepad</a:t>
+            </a:r>
+            <a:r>
+              <a:rPr lang="en-US" dirty="0" smtClean="0"/>
+              <a:t>++</a:t>
+            </a:r>
+            <a:endParaRPr lang="en-US" dirty="0"/>
+          </a:p>
+          <a:p>
+            <a:r>
+              <a:rPr lang="en-US" dirty="0" smtClean="0"/>
+              <a:t>Windows and Apple operating systems</a:t>
+            </a:r>
+          </a:p>
+          <a:p>
+            <a:r>
+              <a:rPr lang="en-US" dirty="0" smtClean="0"/>
+              <a:t>Server hosting website </a:t>
+            </a:r>
+            <a:r>
+              <a:rPr lang="en-US" smtClean="0"/>
+              <a:t>for testing</a:t>
+            </a:r>
+            <a:endParaRPr lang="en-US" dirty="0" smtClean="0"/>
+          </a:p>
+          <a:p>
+            <a:endParaRPr lang="en-US" dirty="0" smtClean="0"/>
           </a:p>
         </p:txBody>
       </p:sp>
     </p:spTree>
     <p:extLst>
       <p:ext uri="{BB962C8B-B14F-4D97-AF65-F5344CB8AC3E}">
-        <p14:creationId xmlns:p14="http://schemas.microsoft.com/office/powerpoint/2010/main" val="2318258539"/>
+        <p14:creationId xmlns:p14="http://schemas.microsoft.com/office/powerpoint/2010/main" val="520551229"/>
       </p:ext>
     </p:extLst>
   </p:cSld>
@@ -10556,18 +10581,18 @@
 </file>
 
 <file path=customXml/item2.xml><?xml version="1.0" encoding="utf-8"?>
+<p:properties xmlns:p="http://schemas.microsoft.com/office/2006/metadata/properties" xmlns:xsi="http://www.w3.org/2001/XMLSchema-instance" xmlns:pc="http://schemas.microsoft.com/office/infopath/2007/PartnerControls">
+  <documentManagement/>
+</p:properties>
+</file>
+
+<file path=customXml/item3.xml><?xml version="1.0" encoding="utf-8"?>
 <?mso-contentType ?>
 <FormTemplates xmlns="http://schemas.microsoft.com/sharepoint/v3/contenttype/forms">
   <Display>DocumentLibraryForm</Display>
   <Edit>DocumentLibraryForm</Edit>
   <New>DocumentLibraryForm</New>
 </FormTemplates>
-</file>
-
-<file path=customXml/item3.xml><?xml version="1.0" encoding="utf-8"?>
-<p:properties xmlns:p="http://schemas.microsoft.com/office/2006/metadata/properties" xmlns:xsi="http://www.w3.org/2001/XMLSchema-instance" xmlns:pc="http://schemas.microsoft.com/office/infopath/2007/PartnerControls">
-  <documentManagement/>
-</p:properties>
 </file>
 
 <file path=customXml/itemProps1.xml><?xml version="1.0" encoding="utf-8"?>
@@ -10587,14 +10612,6 @@
 </file>
 
 <file path=customXml/itemProps2.xml><?xml version="1.0" encoding="utf-8"?>
-<ds:datastoreItem xmlns:ds="http://schemas.openxmlformats.org/officeDocument/2006/customXml" ds:itemID="{3B9A03BE-BDD2-4450-8C63-538E1F1E17CE}">
-  <ds:schemaRefs>
-    <ds:schemaRef ds:uri="http://schemas.microsoft.com/sharepoint/v3/contenttype/forms"/>
-  </ds:schemaRefs>
-</ds:datastoreItem>
-</file>
-
-<file path=customXml/itemProps3.xml><?xml version="1.0" encoding="utf-8"?>
 <ds:datastoreItem xmlns:ds="http://schemas.openxmlformats.org/officeDocument/2006/customXml" ds:itemID="{120AB2EF-83B6-48FA-912A-3F47801185B6}">
   <ds:schemaRefs>
     <ds:schemaRef ds:uri="http://purl.org/dc/terms/"/>
@@ -10607,4 +10624,12 @@
     <ds:schemaRef ds:uri="http://www.w3.org/XML/1998/namespace"/>
   </ds:schemaRefs>
 </ds:datastoreItem>
+</file>
+
+<file path=customXml/itemProps3.xml><?xml version="1.0" encoding="utf-8"?>
+<ds:datastoreItem xmlns:ds="http://schemas.openxmlformats.org/officeDocument/2006/customXml" ds:itemID="{3B9A03BE-BDD2-4450-8C63-538E1F1E17CE}">
+  <ds:schemaRefs>
+    <ds:schemaRef ds:uri="http://schemas.microsoft.com/sharepoint/v3/contenttype/forms"/>
+  </ds:schemaRefs>
+</ds:datastoreItem>
 </file>
--- a/Presentation/Presentation Two/PresentationRevised.pptx
+++ b/Presentation/Presentation Two/PresentationRevised.pptx
@@ -5,7 +5,7 @@
     <p:sldMasterId id="2147483648" r:id="rId4"/>
   </p:sldMasterIdLst>
   <p:notesMasterIdLst>
-    <p:notesMasterId r:id="rId18"/>
+    <p:notesMasterId r:id="rId19"/>
   </p:notesMasterIdLst>
   <p:sldIdLst>
     <p:sldId id="256" r:id="rId5"/>
@@ -20,7 +20,8 @@
     <p:sldId id="274" r:id="rId14"/>
     <p:sldId id="277" r:id="rId15"/>
     <p:sldId id="267" r:id="rId16"/>
-    <p:sldId id="271" r:id="rId17"/>
+    <p:sldId id="280" r:id="rId17"/>
+    <p:sldId id="271" r:id="rId18"/>
   </p:sldIdLst>
   <p:sldSz cx="12192000" cy="6858000"/>
   <p:notesSz cx="6858000" cy="9144000"/>
@@ -8809,7 +8810,7 @@
           <a:p>
             <a:r>
               <a:rPr lang="en-US" sz="4000" dirty="0" smtClean="0"/>
-              <a:t>Conclusion</a:t>
+              <a:t>Conclusion – Past Tasks</a:t>
             </a:r>
             <a:endParaRPr lang="en-US" sz="4000" dirty="0"/>
           </a:p>
@@ -8827,8 +8828,8 @@
         </p:nvSpPr>
         <p:spPr>
           <a:xfrm>
-            <a:off x="2589212" y="2133600"/>
-            <a:ext cx="8915400" cy="4267200"/>
+            <a:off x="2589212" y="2113005"/>
+            <a:ext cx="8915400" cy="4287795"/>
           </a:xfrm>
         </p:spPr>
         <p:txBody>
@@ -8845,8 +8846,31 @@
           <a:p>
             <a:r>
               <a:rPr lang="en-US" sz="2200" dirty="0" smtClean="0"/>
-              <a:t>Completed tasks:</a:t>
-            </a:r>
+              <a:t>Completed tasks</a:t>
+            </a:r>
+            <a:r>
+              <a:rPr lang="en-US" sz="2200" dirty="0" smtClean="0"/>
+              <a:t>:</a:t>
+            </a:r>
+          </a:p>
+          <a:p>
+            <a:pPr lvl="1"/>
+            <a:r>
+              <a:rPr lang="en-US" sz="2000" dirty="0"/>
+              <a:t>Creating easy-to-navigate </a:t>
+            </a:r>
+            <a:r>
+              <a:rPr lang="en-US" sz="2000" dirty="0" smtClean="0"/>
+              <a:t>pages</a:t>
+            </a:r>
+          </a:p>
+          <a:p>
+            <a:pPr lvl="2"/>
+            <a:r>
+              <a:rPr lang="en-US" sz="1800" dirty="0" smtClean="0"/>
+              <a:t>Ex. Home, About, Help, Register/Login, Profile/Viewed Profile</a:t>
+            </a:r>
+            <a:endParaRPr lang="en-US" sz="1800" dirty="0" smtClean="0"/>
           </a:p>
           <a:p>
             <a:pPr lvl="1"/>
@@ -8859,48 +8883,29 @@
             <a:pPr lvl="1" fontAlgn="base"/>
             <a:r>
               <a:rPr lang="en-US" sz="2000" dirty="0" smtClean="0"/>
-              <a:t>Storing and retrieving user and event information</a:t>
-            </a:r>
-            <a:endParaRPr lang="en-US" sz="2000" dirty="0"/>
-          </a:p>
-          <a:p>
-            <a:pPr lvl="1" fontAlgn="base"/>
-            <a:r>
-              <a:rPr lang="en-US" sz="2000" dirty="0"/>
-              <a:t>Creating </a:t>
+              <a:t>Storing and retrieving user and event </a:t>
             </a:r>
             <a:r>
               <a:rPr lang="en-US" sz="2000" dirty="0" smtClean="0"/>
-              <a:t>easy-to-navigate pages</a:t>
-            </a:r>
-            <a:endParaRPr lang="en-US" sz="2000" dirty="0"/>
-          </a:p>
-          <a:p>
-            <a:r>
-              <a:rPr lang="en-US" sz="2200" dirty="0" smtClean="0"/>
-              <a:t>Future tasks:</a:t>
-            </a:r>
+              <a:t>information</a:t>
+            </a:r>
+          </a:p>
+          <a:p>
+            <a:pPr lvl="2" fontAlgn="base"/>
+            <a:r>
+              <a:rPr lang="en-US" sz="1800" dirty="0" smtClean="0"/>
+              <a:t>Tables for User, Events</a:t>
+            </a:r>
+            <a:endParaRPr lang="en-US" sz="1800" dirty="0"/>
+          </a:p>
+          <a:p>
+            <a:pPr marL="457200" lvl="1" indent="0">
+              <a:buNone/>
+            </a:pPr>
+            <a:endParaRPr lang="en-US" sz="2000" dirty="0" smtClean="0"/>
           </a:p>
           <a:p>
             <a:pPr lvl="1"/>
-            <a:r>
-              <a:rPr lang="en-US" sz="2000" dirty="0" smtClean="0"/>
-              <a:t>Creating a calendar for organizing activities</a:t>
-            </a:r>
-          </a:p>
-          <a:p>
-            <a:pPr lvl="1"/>
-            <a:r>
-              <a:rPr lang="en-US" sz="2000" dirty="0" smtClean="0"/>
-              <a:t>Online hosting</a:t>
-            </a:r>
-          </a:p>
-          <a:p>
-            <a:pPr lvl="1"/>
-            <a:r>
-              <a:rPr lang="en-US" sz="2000" dirty="0" smtClean="0"/>
-              <a:t>User testing and updating</a:t>
-            </a:r>
             <a:endParaRPr lang="en-US" sz="2000" dirty="0"/>
           </a:p>
           <a:p>
@@ -8967,6 +8972,138 @@
           <a:lstStyle/>
           <a:p>
             <a:r>
+              <a:rPr lang="en-US" sz="4000" dirty="0" smtClean="0"/>
+              <a:t>Conclusion – Future Tasks</a:t>
+            </a:r>
+            <a:endParaRPr lang="en-US" sz="4000" dirty="0"/>
+          </a:p>
+        </p:txBody>
+      </p:sp>
+      <p:sp>
+        <p:nvSpPr>
+          <p:cNvPr id="3" name="Content Placeholder 2"/>
+          <p:cNvSpPr>
+            <a:spLocks noGrp="1"/>
+          </p:cNvSpPr>
+          <p:nvPr>
+            <p:ph idx="1"/>
+          </p:nvPr>
+        </p:nvSpPr>
+        <p:spPr/>
+        <p:txBody>
+          <a:bodyPr/>
+          <a:lstStyle/>
+          <a:p>
+            <a:r>
+              <a:rPr lang="en-US" sz="2200" dirty="0"/>
+              <a:t>Future tasks:</a:t>
+            </a:r>
+          </a:p>
+          <a:p>
+            <a:pPr lvl="1"/>
+            <a:r>
+              <a:rPr lang="en-US" sz="2000" dirty="0"/>
+              <a:t>Adding photo upload, charts</a:t>
+            </a:r>
+            <a:r>
+              <a:rPr lang="en-US" sz="2000" dirty="0" smtClean="0"/>
+              <a:t>, calendar, </a:t>
+            </a:r>
+            <a:r>
+              <a:rPr lang="en-US" sz="2000" dirty="0"/>
+              <a:t>and event slider</a:t>
+            </a:r>
+          </a:p>
+          <a:p>
+            <a:pPr lvl="1"/>
+            <a:r>
+              <a:rPr lang="en-US" sz="2000" dirty="0"/>
+              <a:t>Finishing connection </a:t>
+            </a:r>
+            <a:r>
+              <a:rPr lang="en-US" sz="2000" dirty="0" smtClean="0"/>
+              <a:t>queries</a:t>
+            </a:r>
+          </a:p>
+          <a:p>
+            <a:pPr lvl="1"/>
+            <a:r>
+              <a:rPr lang="en-US" sz="2000" dirty="0" smtClean="0"/>
+              <a:t>Online </a:t>
+            </a:r>
+            <a:r>
+              <a:rPr lang="en-US" sz="2000" dirty="0"/>
+              <a:t>hosting</a:t>
+            </a:r>
+          </a:p>
+          <a:p>
+            <a:pPr lvl="1"/>
+            <a:r>
+              <a:rPr lang="en-US" sz="2000" dirty="0"/>
+              <a:t>User testing and </a:t>
+            </a:r>
+            <a:r>
+              <a:rPr lang="en-US" sz="2000" dirty="0" smtClean="0"/>
+              <a:t>updates</a:t>
+            </a:r>
+            <a:endParaRPr lang="en-US" sz="2000" dirty="0"/>
+          </a:p>
+          <a:p>
+            <a:pPr marL="0" indent="0">
+              <a:buNone/>
+            </a:pPr>
+            <a:endParaRPr lang="en-US" dirty="0"/>
+          </a:p>
+        </p:txBody>
+      </p:sp>
+    </p:spTree>
+    <p:extLst>
+      <p:ext uri="{BB962C8B-B14F-4D97-AF65-F5344CB8AC3E}">
+        <p14:creationId xmlns:p14="http://schemas.microsoft.com/office/powerpoint/2010/main" val="16462890"/>
+      </p:ext>
+    </p:extLst>
+  </p:cSld>
+  <p:clrMapOvr>
+    <a:masterClrMapping/>
+  </p:clrMapOvr>
+</p:sld>
+</file>
+
+<file path=ppt/slides/slide14.xml><?xml version="1.0" encoding="utf-8"?>
+<p:sld xmlns:a="http://schemas.openxmlformats.org/drawingml/2006/main" xmlns:r="http://schemas.openxmlformats.org/officeDocument/2006/relationships" xmlns:p="http://schemas.openxmlformats.org/presentationml/2006/main">
+  <p:cSld>
+    <p:spTree>
+      <p:nvGrpSpPr>
+        <p:cNvPr id="1" name=""/>
+        <p:cNvGrpSpPr/>
+        <p:nvPr/>
+      </p:nvGrpSpPr>
+      <p:grpSpPr>
+        <a:xfrm>
+          <a:off x="0" y="0"/>
+          <a:ext cx="0" cy="0"/>
+          <a:chOff x="0" y="0"/>
+          <a:chExt cx="0" cy="0"/>
+        </a:xfrm>
+      </p:grpSpPr>
+      <p:sp>
+        <p:nvSpPr>
+          <p:cNvPr id="2" name="Title 1"/>
+          <p:cNvSpPr>
+            <a:spLocks noGrp="1"/>
+          </p:cNvSpPr>
+          <p:nvPr>
+            <p:ph type="title"/>
+          </p:nvPr>
+        </p:nvSpPr>
+        <p:spPr/>
+        <p:txBody>
+          <a:bodyPr>
+            <a:normAutofit/>
+          </a:bodyPr>
+          <a:lstStyle/>
+          <a:p>
+            <a:r>
               <a:rPr lang="en-US" sz="4800" b="1" dirty="0" smtClean="0"/>
               <a:t>QUESTIONS?</a:t>
             </a:r>
@@ -9163,34 +9300,40 @@
           </a:bodyPr>
           <a:lstStyle/>
           <a:p>
-            <a:pPr lvl="1"/>
-            <a:endParaRPr lang="en-US" sz="2200" dirty="0"/>
-          </a:p>
-          <a:p>
             <a:r>
               <a:rPr lang="en-US" sz="2200" dirty="0" smtClean="0"/>
-              <a:t>Help socially isolated individuals</a:t>
-            </a:r>
-          </a:p>
-          <a:p>
+              <a:t>Help </a:t>
+            </a:r>
+            <a:r>
+              <a:rPr lang="en-US" sz="2200" dirty="0" smtClean="0"/>
+              <a:t>socially isolated </a:t>
+            </a:r>
+            <a:r>
+              <a:rPr lang="en-US" sz="2200" dirty="0" smtClean="0"/>
+              <a:t>individuals</a:t>
+            </a:r>
             <a:endParaRPr lang="en-US" sz="2200" dirty="0" smtClean="0"/>
           </a:p>
           <a:p>
             <a:r>
               <a:rPr lang="en-US" sz="2200" dirty="0" smtClean="0"/>
-              <a:t>Simple Design</a:t>
-            </a:r>
-          </a:p>
-          <a:p>
+              <a:t>Simple </a:t>
+            </a:r>
+            <a:r>
+              <a:rPr lang="en-US" sz="2200" dirty="0" smtClean="0"/>
+              <a:t>Design</a:t>
+            </a:r>
             <a:endParaRPr lang="en-US" sz="2200" dirty="0" smtClean="0"/>
           </a:p>
           <a:p>
             <a:r>
               <a:rPr lang="en-US" sz="2200" dirty="0" smtClean="0"/>
-              <a:t>Easy to use Interface</a:t>
-            </a:r>
-          </a:p>
-          <a:p>
+              <a:t>Easy to use </a:t>
+            </a:r>
+            <a:r>
+              <a:rPr lang="en-US" sz="2200" dirty="0" smtClean="0"/>
+              <a:t>Interface</a:t>
+            </a:r>
             <a:endParaRPr lang="en-US" sz="2200" dirty="0" smtClean="0"/>
           </a:p>
           <a:p>
@@ -9563,37 +9706,28 @@
           <a:lstStyle/>
           <a:p>
             <a:r>
-              <a:rPr lang="en-US" dirty="0" smtClean="0"/>
+              <a:rPr lang="en-US" sz="2200" dirty="0" smtClean="0"/>
               <a:t>Used HTML, PHP, SQL, CSS, and JavaScript</a:t>
             </a:r>
           </a:p>
           <a:p>
             <a:r>
-              <a:rPr lang="en-US" dirty="0" smtClean="0"/>
-              <a:t>Developed in SublimeText2 and Notepad</a:t>
-            </a:r>
-            <a:r>
-              <a:rPr lang="en-US" dirty="0" smtClean="0"/>
-              <a:t>++</a:t>
-            </a:r>
-            <a:endParaRPr lang="en-US" dirty="0"/>
-          </a:p>
-          <a:p>
-            <a:r>
-              <a:rPr lang="en-US" dirty="0" smtClean="0"/>
+              <a:rPr lang="en-US" sz="2200" dirty="0" smtClean="0"/>
+              <a:t>Developed in SublimeText2 and Notepad++</a:t>
+            </a:r>
+            <a:endParaRPr lang="en-US" sz="2200" dirty="0"/>
+          </a:p>
+          <a:p>
+            <a:r>
+              <a:rPr lang="en-US" sz="2200" dirty="0" smtClean="0"/>
               <a:t>Windows and Apple operating systems</a:t>
             </a:r>
           </a:p>
           <a:p>
             <a:r>
-              <a:rPr lang="en-US" dirty="0" smtClean="0"/>
-              <a:t>Server hosting website </a:t>
-            </a:r>
-            <a:r>
-              <a:rPr lang="en-US" smtClean="0"/>
-              <a:t>for testing</a:t>
-            </a:r>
-            <a:endParaRPr lang="en-US" dirty="0" smtClean="0"/>
+              <a:rPr lang="en-US" sz="2200" dirty="0" smtClean="0"/>
+              <a:t>Server hosting website for testing</a:t>
+            </a:r>
           </a:p>
           <a:p>
             <a:endParaRPr lang="en-US" dirty="0" smtClean="0"/>
@@ -10581,18 +10715,18 @@
 </file>
 
 <file path=customXml/item2.xml><?xml version="1.0" encoding="utf-8"?>
-<p:properties xmlns:p="http://schemas.microsoft.com/office/2006/metadata/properties" xmlns:xsi="http://www.w3.org/2001/XMLSchema-instance" xmlns:pc="http://schemas.microsoft.com/office/infopath/2007/PartnerControls">
-  <documentManagement/>
-</p:properties>
-</file>
-
-<file path=customXml/item3.xml><?xml version="1.0" encoding="utf-8"?>
 <?mso-contentType ?>
 <FormTemplates xmlns="http://schemas.microsoft.com/sharepoint/v3/contenttype/forms">
   <Display>DocumentLibraryForm</Display>
   <Edit>DocumentLibraryForm</Edit>
   <New>DocumentLibraryForm</New>
 </FormTemplates>
+</file>
+
+<file path=customXml/item3.xml><?xml version="1.0" encoding="utf-8"?>
+<p:properties xmlns:p="http://schemas.microsoft.com/office/2006/metadata/properties" xmlns:xsi="http://www.w3.org/2001/XMLSchema-instance" xmlns:pc="http://schemas.microsoft.com/office/infopath/2007/PartnerControls">
+  <documentManagement/>
+</p:properties>
 </file>
 
 <file path=customXml/itemProps1.xml><?xml version="1.0" encoding="utf-8"?>
@@ -10612,24 +10746,24 @@
 </file>
 
 <file path=customXml/itemProps2.xml><?xml version="1.0" encoding="utf-8"?>
-<ds:datastoreItem xmlns:ds="http://schemas.openxmlformats.org/officeDocument/2006/customXml" ds:itemID="{120AB2EF-83B6-48FA-912A-3F47801185B6}">
+<ds:datastoreItem xmlns:ds="http://schemas.openxmlformats.org/officeDocument/2006/customXml" ds:itemID="{3B9A03BE-BDD2-4450-8C63-538E1F1E17CE}">
   <ds:schemaRefs>
-    <ds:schemaRef ds:uri="http://purl.org/dc/terms/"/>
-    <ds:schemaRef ds:uri="http://schemas.microsoft.com/office/2006/metadata/properties"/>
-    <ds:schemaRef ds:uri="http://purl.org/dc/elements/1.1/"/>
-    <ds:schemaRef ds:uri="http://schemas.microsoft.com/office/2006/documentManagement/types"/>
-    <ds:schemaRef ds:uri="http://schemas.openxmlformats.org/package/2006/metadata/core-properties"/>
-    <ds:schemaRef ds:uri="http://purl.org/dc/dcmitype/"/>
-    <ds:schemaRef ds:uri="http://schemas.microsoft.com/office/infopath/2007/PartnerControls"/>
-    <ds:schemaRef ds:uri="http://www.w3.org/XML/1998/namespace"/>
+    <ds:schemaRef ds:uri="http://schemas.microsoft.com/sharepoint/v3/contenttype/forms"/>
   </ds:schemaRefs>
 </ds:datastoreItem>
 </file>
 
 <file path=customXml/itemProps3.xml><?xml version="1.0" encoding="utf-8"?>
-<ds:datastoreItem xmlns:ds="http://schemas.openxmlformats.org/officeDocument/2006/customXml" ds:itemID="{3B9A03BE-BDD2-4450-8C63-538E1F1E17CE}">
+<ds:datastoreItem xmlns:ds="http://schemas.openxmlformats.org/officeDocument/2006/customXml" ds:itemID="{120AB2EF-83B6-48FA-912A-3F47801185B6}">
   <ds:schemaRefs>
-    <ds:schemaRef ds:uri="http://schemas.microsoft.com/sharepoint/v3/contenttype/forms"/>
+    <ds:schemaRef ds:uri="http://purl.org/dc/elements/1.1/"/>
+    <ds:schemaRef ds:uri="http://schemas.openxmlformats.org/package/2006/metadata/core-properties"/>
+    <ds:schemaRef ds:uri="http://purl.org/dc/terms/"/>
+    <ds:schemaRef ds:uri="http://schemas.microsoft.com/office/2006/metadata/properties"/>
+    <ds:schemaRef ds:uri="http://schemas.microsoft.com/office/2006/documentManagement/types"/>
+    <ds:schemaRef ds:uri="http://www.w3.org/XML/1998/namespace"/>
+    <ds:schemaRef ds:uri="http://schemas.microsoft.com/office/infopath/2007/PartnerControls"/>
+    <ds:schemaRef ds:uri="http://purl.org/dc/dcmitype/"/>
   </ds:schemaRefs>
 </ds:datastoreItem>
 </file>
--- a/Presentation/Presentation Two/PresentationRevised.pptx
+++ b/Presentation/Presentation Two/PresentationRevised.pptx
@@ -8846,11 +8846,7 @@
           <a:p>
             <a:r>
               <a:rPr lang="en-US" sz="2200" dirty="0" smtClean="0"/>
-              <a:t>Completed tasks</a:t>
-            </a:r>
-            <a:r>
-              <a:rPr lang="en-US" sz="2200" dirty="0" smtClean="0"/>
-              <a:t>:</a:t>
+              <a:t>Completed tasks:</a:t>
             </a:r>
           </a:p>
           <a:p>
@@ -8870,7 +8866,6 @@
               <a:rPr lang="en-US" sz="1800" dirty="0" smtClean="0"/>
               <a:t>Ex. Home, About, Help, Register/Login, Profile/Viewed Profile</a:t>
             </a:r>
-            <a:endParaRPr lang="en-US" sz="1800" dirty="0" smtClean="0"/>
           </a:p>
           <a:p>
             <a:pPr lvl="1"/>
@@ -8883,18 +8878,18 @@
             <a:pPr lvl="1" fontAlgn="base"/>
             <a:r>
               <a:rPr lang="en-US" sz="2000" dirty="0" smtClean="0"/>
-              <a:t>Storing and retrieving user and event </a:t>
-            </a:r>
-            <a:r>
-              <a:rPr lang="en-US" sz="2000" dirty="0" smtClean="0"/>
-              <a:t>information</a:t>
+              <a:t>Storing and retrieving user and event information</a:t>
             </a:r>
           </a:p>
           <a:p>
             <a:pPr lvl="2" fontAlgn="base"/>
             <a:r>
               <a:rPr lang="en-US" sz="1800" dirty="0" smtClean="0"/>
-              <a:t>Tables for User, Events</a:t>
+              <a:t>Ex. Tables </a:t>
+            </a:r>
+            <a:r>
+              <a:rPr lang="en-US" sz="1800" dirty="0" smtClean="0"/>
+              <a:t>for User, Events</a:t>
             </a:r>
             <a:endParaRPr lang="en-US" sz="1800" dirty="0"/>
           </a:p>
@@ -9306,35 +9301,37 @@
             </a:r>
             <a:r>
               <a:rPr lang="en-US" sz="2200" dirty="0" smtClean="0"/>
-              <a:t>socially isolated </a:t>
+              <a:t>Socially </a:t>
+            </a:r>
+            <a:r>
+              <a:rPr lang="en-US" sz="2200" dirty="0"/>
+              <a:t>I</a:t>
             </a:r>
             <a:r>
               <a:rPr lang="en-US" sz="2200" dirty="0" smtClean="0"/>
-              <a:t>individuals</a:t>
+              <a:t>solated </a:t>
+            </a:r>
+            <a:r>
+              <a:rPr lang="en-US" sz="2200" dirty="0"/>
+              <a:t>I</a:t>
+            </a:r>
+            <a:r>
+              <a:rPr lang="en-US" sz="2200" dirty="0" smtClean="0"/>
+              <a:t>ndividuals</a:t>
             </a:r>
             <a:endParaRPr lang="en-US" sz="2200" dirty="0" smtClean="0"/>
           </a:p>
           <a:p>
             <a:r>
               <a:rPr lang="en-US" sz="2200" dirty="0" smtClean="0"/>
-              <a:t>Simple </a:t>
-            </a:r>
+              <a:t>Simple Design</a:t>
+            </a:r>
+          </a:p>
+          <a:p>
             <a:r>
               <a:rPr lang="en-US" sz="2200" dirty="0" smtClean="0"/>
-              <a:t>Design</a:t>
-            </a:r>
-            <a:endParaRPr lang="en-US" sz="2200" dirty="0" smtClean="0"/>
-          </a:p>
-          <a:p>
-            <a:r>
-              <a:rPr lang="en-US" sz="2200" dirty="0" smtClean="0"/>
-              <a:t>Easy to use </a:t>
-            </a:r>
-            <a:r>
-              <a:rPr lang="en-US" sz="2200" dirty="0" smtClean="0"/>
-              <a:t>Interface</a:t>
-            </a:r>
-            <a:endParaRPr lang="en-US" sz="2200" dirty="0" smtClean="0"/>
+              <a:t>Easy to use Interface</a:t>
+            </a:r>
           </a:p>
           <a:p>
             <a:r>
@@ -10715,18 +10712,18 @@
 </file>
 
 <file path=customXml/item2.xml><?xml version="1.0" encoding="utf-8"?>
+<p:properties xmlns:p="http://schemas.microsoft.com/office/2006/metadata/properties" xmlns:xsi="http://www.w3.org/2001/XMLSchema-instance" xmlns:pc="http://schemas.microsoft.com/office/infopath/2007/PartnerControls">
+  <documentManagement/>
+</p:properties>
+</file>
+
+<file path=customXml/item3.xml><?xml version="1.0" encoding="utf-8"?>
 <?mso-contentType ?>
 <FormTemplates xmlns="http://schemas.microsoft.com/sharepoint/v3/contenttype/forms">
   <Display>DocumentLibraryForm</Display>
   <Edit>DocumentLibraryForm</Edit>
   <New>DocumentLibraryForm</New>
 </FormTemplates>
-</file>
-
-<file path=customXml/item3.xml><?xml version="1.0" encoding="utf-8"?>
-<p:properties xmlns:p="http://schemas.microsoft.com/office/2006/metadata/properties" xmlns:xsi="http://www.w3.org/2001/XMLSchema-instance" xmlns:pc="http://schemas.microsoft.com/office/infopath/2007/PartnerControls">
-  <documentManagement/>
-</p:properties>
 </file>
 
 <file path=customXml/itemProps1.xml><?xml version="1.0" encoding="utf-8"?>
@@ -10746,14 +10743,6 @@
 </file>
 
 <file path=customXml/itemProps2.xml><?xml version="1.0" encoding="utf-8"?>
-<ds:datastoreItem xmlns:ds="http://schemas.openxmlformats.org/officeDocument/2006/customXml" ds:itemID="{3B9A03BE-BDD2-4450-8C63-538E1F1E17CE}">
-  <ds:schemaRefs>
-    <ds:schemaRef ds:uri="http://schemas.microsoft.com/sharepoint/v3/contenttype/forms"/>
-  </ds:schemaRefs>
-</ds:datastoreItem>
-</file>
-
-<file path=customXml/itemProps3.xml><?xml version="1.0" encoding="utf-8"?>
 <ds:datastoreItem xmlns:ds="http://schemas.openxmlformats.org/officeDocument/2006/customXml" ds:itemID="{120AB2EF-83B6-48FA-912A-3F47801185B6}">
   <ds:schemaRefs>
     <ds:schemaRef ds:uri="http://purl.org/dc/elements/1.1/"/>
@@ -10766,4 +10755,12 @@
     <ds:schemaRef ds:uri="http://purl.org/dc/dcmitype/"/>
   </ds:schemaRefs>
 </ds:datastoreItem>
+</file>
+
+<file path=customXml/itemProps3.xml><?xml version="1.0" encoding="utf-8"?>
+<ds:datastoreItem xmlns:ds="http://schemas.openxmlformats.org/officeDocument/2006/customXml" ds:itemID="{3B9A03BE-BDD2-4450-8C63-538E1F1E17CE}">
+  <ds:schemaRefs>
+    <ds:schemaRef ds:uri="http://schemas.microsoft.com/sharepoint/v3/contenttype/forms"/>
+  </ds:schemaRefs>
+</ds:datastoreItem>
 </file>